--- a/Presentation/NBA Player Analytics- Week 3 Deliverables.pptx
+++ b/Presentation/NBA Player Analytics- Week 3 Deliverables.pptx
@@ -3723,15 +3723,8 @@
           <a:p>
             <a:r>
               <a:rPr lang="en-US" dirty="0"/>
-              <a:t>       XXXXXXXXXXXXXXXXXXXXXXXXXXXXXXXXXXX</a:t>
-            </a:r>
-          </a:p>
-          <a:p>
-            <a:pPr marL="285750" indent="-285750">
-              <a:buFont typeface="Wingdings" panose="05000000000000000000" pitchFamily="2" charset="2"/>
-              <a:buChar char="ü"/>
-            </a:pPr>
-            <a:endParaRPr lang="en-US" dirty="0"/>
+              <a:t>       https://github.com/asitkumar26/nba-player-analytics/blob/main/ML-Models/Feature-Depnedencies-Supervised_learning.PNG</a:t>
+            </a:r>
           </a:p>
           <a:p>
             <a:r>
@@ -3848,7 +3841,7 @@
         <p:spPr>
           <a:xfrm>
             <a:off x="0" y="567566"/>
-            <a:ext cx="11481731" cy="9510296"/>
+            <a:ext cx="11481731" cy="10064294"/>
           </a:xfrm>
           <a:prstGeom prst="rect">
             <a:avLst/>
@@ -3954,9 +3947,6 @@
             </a:r>
           </a:p>
           <a:p>
-            <a:endParaRPr lang="en-US" dirty="0"/>
-          </a:p>
-          <a:p>
             <a:r>
               <a:rPr lang="en-US" dirty="0"/>
               <a:t>Description of Current Accuracy Score:    </a:t>
@@ -3970,9 +3960,21 @@
           </a:p>
           <a:p>
             <a:r>
-              <a:rPr lang="en-US" dirty="0"/>
-              <a:t>  </a:t>
-            </a:r>
+              <a:rPr lang="en-US" dirty="0">
+                <a:hlinkClick r:id="rId2"/>
+              </a:rPr>
+              <a:t>https://github.com/asitkumar26/nba-player-analytics/blob/main/ML-Models/Model-Accuracy-Score-SupervisedLearning.PNG</a:t>
+            </a:r>
+            <a:endParaRPr lang="en-US" dirty="0"/>
+          </a:p>
+          <a:p>
+            <a:endParaRPr lang="en-US" dirty="0"/>
+          </a:p>
+          <a:p>
+            <a:endParaRPr lang="en-US" dirty="0"/>
+          </a:p>
+          <a:p>
+            <a:endParaRPr lang="en-US" dirty="0"/>
           </a:p>
           <a:p>
             <a:endParaRPr lang="en-US" dirty="0"/>
